--- a/python_temp/power_grids.pptx
+++ b/python_temp/power_grids.pptx
@@ -261,7 +261,7 @@
           <a:p>
             <a:fld id="{8B199051-66CD-E84F-8C03-C85E0C6BD903}" type="datetimeFigureOut">
               <a:rPr lang="en-US" smtClean="0"/>
-              <a:t>9/16/23</a:t>
+              <a:t>11/26/23</a:t>
             </a:fld>
             <a:endParaRPr lang="en-US"/>
           </a:p>
@@ -459,7 +459,7 @@
           <a:p>
             <a:fld id="{8B199051-66CD-E84F-8C03-C85E0C6BD903}" type="datetimeFigureOut">
               <a:rPr lang="en-US" smtClean="0"/>
-              <a:t>9/16/23</a:t>
+              <a:t>11/26/23</a:t>
             </a:fld>
             <a:endParaRPr lang="en-US"/>
           </a:p>
@@ -667,7 +667,7 @@
           <a:p>
             <a:fld id="{8B199051-66CD-E84F-8C03-C85E0C6BD903}" type="datetimeFigureOut">
               <a:rPr lang="en-US" smtClean="0"/>
-              <a:t>9/16/23</a:t>
+              <a:t>11/26/23</a:t>
             </a:fld>
             <a:endParaRPr lang="en-US"/>
           </a:p>
@@ -865,7 +865,7 @@
           <a:p>
             <a:fld id="{8B199051-66CD-E84F-8C03-C85E0C6BD903}" type="datetimeFigureOut">
               <a:rPr lang="en-US" smtClean="0"/>
-              <a:t>9/16/23</a:t>
+              <a:t>11/26/23</a:t>
             </a:fld>
             <a:endParaRPr lang="en-US"/>
           </a:p>
@@ -1140,7 +1140,7 @@
           <a:p>
             <a:fld id="{8B199051-66CD-E84F-8C03-C85E0C6BD903}" type="datetimeFigureOut">
               <a:rPr lang="en-US" smtClean="0"/>
-              <a:t>9/16/23</a:t>
+              <a:t>11/26/23</a:t>
             </a:fld>
             <a:endParaRPr lang="en-US"/>
           </a:p>
@@ -1405,7 +1405,7 @@
           <a:p>
             <a:fld id="{8B199051-66CD-E84F-8C03-C85E0C6BD903}" type="datetimeFigureOut">
               <a:rPr lang="en-US" smtClean="0"/>
-              <a:t>9/16/23</a:t>
+              <a:t>11/26/23</a:t>
             </a:fld>
             <a:endParaRPr lang="en-US"/>
           </a:p>
@@ -1817,7 +1817,7 @@
           <a:p>
             <a:fld id="{8B199051-66CD-E84F-8C03-C85E0C6BD903}" type="datetimeFigureOut">
               <a:rPr lang="en-US" smtClean="0"/>
-              <a:t>9/16/23</a:t>
+              <a:t>11/26/23</a:t>
             </a:fld>
             <a:endParaRPr lang="en-US"/>
           </a:p>
@@ -1958,7 +1958,7 @@
           <a:p>
             <a:fld id="{8B199051-66CD-E84F-8C03-C85E0C6BD903}" type="datetimeFigureOut">
               <a:rPr lang="en-US" smtClean="0"/>
-              <a:t>9/16/23</a:t>
+              <a:t>11/26/23</a:t>
             </a:fld>
             <a:endParaRPr lang="en-US"/>
           </a:p>
@@ -2071,7 +2071,7 @@
           <a:p>
             <a:fld id="{8B199051-66CD-E84F-8C03-C85E0C6BD903}" type="datetimeFigureOut">
               <a:rPr lang="en-US" smtClean="0"/>
-              <a:t>9/16/23</a:t>
+              <a:t>11/26/23</a:t>
             </a:fld>
             <a:endParaRPr lang="en-US"/>
           </a:p>
@@ -2382,7 +2382,7 @@
           <a:p>
             <a:fld id="{8B199051-66CD-E84F-8C03-C85E0C6BD903}" type="datetimeFigureOut">
               <a:rPr lang="en-US" smtClean="0"/>
-              <a:t>9/16/23</a:t>
+              <a:t>11/26/23</a:t>
             </a:fld>
             <a:endParaRPr lang="en-US"/>
           </a:p>
@@ -2670,7 +2670,7 @@
           <a:p>
             <a:fld id="{8B199051-66CD-E84F-8C03-C85E0C6BD903}" type="datetimeFigureOut">
               <a:rPr lang="en-US" smtClean="0"/>
-              <a:t>9/16/23</a:t>
+              <a:t>11/26/23</a:t>
             </a:fld>
             <a:endParaRPr lang="en-US"/>
           </a:p>
@@ -2911,7 +2911,7 @@
           <a:p>
             <a:fld id="{8B199051-66CD-E84F-8C03-C85E0C6BD903}" type="datetimeFigureOut">
               <a:rPr lang="en-US" smtClean="0"/>
-              <a:t>9/16/23</a:t>
+              <a:t>11/26/23</a:t>
             </a:fld>
             <a:endParaRPr lang="en-US"/>
           </a:p>
@@ -3328,175 +3328,161 @@
           <a:chExt cx="0" cy="0"/>
         </a:xfrm>
       </p:grpSpPr>
-      <p:pic>
-        <p:nvPicPr>
-          <p:cNvPr id="5" name="Picture 4">
-            <a:extLst>
-              <a:ext uri="{FF2B5EF4-FFF2-40B4-BE49-F238E27FC236}">
-                <a16:creationId xmlns:a16="http://schemas.microsoft.com/office/drawing/2014/main" id="{D143FF32-B315-42EA-7C2F-1EF7133DCE62}"/>
-              </a:ext>
-            </a:extLst>
-          </p:cNvPr>
-          <p:cNvPicPr>
-            <a:picLocks noChangeAspect="1"/>
-          </p:cNvPicPr>
+      <p:grpSp>
+        <p:nvGrpSpPr>
+          <p:cNvPr id="2" name="Group 1">
+            <a:extLst>
+              <a:ext uri="{FF2B5EF4-FFF2-40B4-BE49-F238E27FC236}">
+                <a16:creationId xmlns:a16="http://schemas.microsoft.com/office/drawing/2014/main" id="{84C062F3-A2AD-0DE9-E11B-F5F64A3A2058}"/>
+              </a:ext>
+            </a:extLst>
+          </p:cNvPr>
+          <p:cNvGrpSpPr/>
           <p:nvPr/>
-        </p:nvPicPr>
-        <p:blipFill rotWithShape="1">
-          <a:blip r:embed="rId2"/>
-          <a:srcRect l="17971" t="12174" r="15362" b="11305"/>
-          <a:stretch/>
-        </p:blipFill>
-        <p:spPr>
+        </p:nvGrpSpPr>
+        <p:grpSpPr>
           <a:xfrm>
-            <a:off x="1232452" y="834886"/>
+            <a:off x="738466" y="309369"/>
             <a:ext cx="4572000" cy="5247861"/>
+            <a:chOff x="1232452" y="834886"/>
+            <a:chExt cx="4572000" cy="5247861"/>
           </a:xfrm>
-          <a:prstGeom prst="rect">
-            <a:avLst/>
-          </a:prstGeom>
-        </p:spPr>
-      </p:pic>
-      <p:sp>
-        <p:nvSpPr>
-          <p:cNvPr id="6" name="TextBox 5">
-            <a:extLst>
-              <a:ext uri="{FF2B5EF4-FFF2-40B4-BE49-F238E27FC236}">
-                <a16:creationId xmlns:a16="http://schemas.microsoft.com/office/drawing/2014/main" id="{95147DE3-F1CE-F978-9C20-5C71EADDBD01}"/>
-              </a:ext>
-            </a:extLst>
-          </p:cNvPr>
-          <p:cNvSpPr txBox="1"/>
-          <p:nvPr/>
-        </p:nvSpPr>
-        <p:spPr>
-          <a:xfrm>
-            <a:off x="2782957" y="1331843"/>
-            <a:ext cx="607282" cy="276999"/>
-          </a:xfrm>
-          <a:prstGeom prst="rect">
-            <a:avLst/>
-          </a:prstGeom>
-          <a:noFill/>
-        </p:spPr>
-        <p:txBody>
-          <a:bodyPr wrap="none" rtlCol="0">
-            <a:spAutoFit/>
-          </a:bodyPr>
-          <a:lstStyle/>
-          <a:p>
-            <a:r>
-              <a:rPr lang="en-US" sz="1200" dirty="0"/>
-              <a:t>Zone 1</a:t>
-            </a:r>
-          </a:p>
-        </p:txBody>
-      </p:sp>
-      <p:sp>
-        <p:nvSpPr>
-          <p:cNvPr id="7" name="TextBox 6">
-            <a:extLst>
-              <a:ext uri="{FF2B5EF4-FFF2-40B4-BE49-F238E27FC236}">
-                <a16:creationId xmlns:a16="http://schemas.microsoft.com/office/drawing/2014/main" id="{7BCA5BD0-E8AB-1B11-2811-996B9D476825}"/>
-              </a:ext>
-            </a:extLst>
-          </p:cNvPr>
-          <p:cNvSpPr txBox="1"/>
-          <p:nvPr/>
-        </p:nvSpPr>
-        <p:spPr>
-          <a:xfrm>
-            <a:off x="2582785" y="2940685"/>
-            <a:ext cx="607282" cy="276999"/>
-          </a:xfrm>
-          <a:prstGeom prst="rect">
-            <a:avLst/>
-          </a:prstGeom>
-          <a:noFill/>
-        </p:spPr>
-        <p:txBody>
-          <a:bodyPr wrap="none" rtlCol="0">
-            <a:spAutoFit/>
-          </a:bodyPr>
-          <a:lstStyle/>
-          <a:p>
-            <a:r>
-              <a:rPr lang="en-US" sz="1200" dirty="0"/>
-              <a:t>Zone 2</a:t>
-            </a:r>
-          </a:p>
-        </p:txBody>
-      </p:sp>
-      <p:sp>
-        <p:nvSpPr>
-          <p:cNvPr id="8" name="TextBox 7">
-            <a:extLst>
-              <a:ext uri="{FF2B5EF4-FFF2-40B4-BE49-F238E27FC236}">
-                <a16:creationId xmlns:a16="http://schemas.microsoft.com/office/drawing/2014/main" id="{7E432628-8D12-9490-61E3-124ED56E54ED}"/>
-              </a:ext>
-            </a:extLst>
-          </p:cNvPr>
-          <p:cNvSpPr txBox="1"/>
-          <p:nvPr/>
-        </p:nvSpPr>
-        <p:spPr>
-          <a:xfrm>
-            <a:off x="1653210" y="3621156"/>
-            <a:ext cx="607282" cy="276999"/>
-          </a:xfrm>
-          <a:prstGeom prst="rect">
-            <a:avLst/>
-          </a:prstGeom>
-          <a:noFill/>
-        </p:spPr>
-        <p:txBody>
-          <a:bodyPr wrap="none" rtlCol="0">
-            <a:spAutoFit/>
-          </a:bodyPr>
-          <a:lstStyle/>
-          <a:p>
-            <a:r>
-              <a:rPr lang="en-US" sz="1200" dirty="0"/>
-              <a:t>Zone 3</a:t>
-            </a:r>
-          </a:p>
-        </p:txBody>
-      </p:sp>
-      <p:sp>
-        <p:nvSpPr>
-          <p:cNvPr id="9" name="TextBox 8">
-            <a:extLst>
-              <a:ext uri="{FF2B5EF4-FFF2-40B4-BE49-F238E27FC236}">
-                <a16:creationId xmlns:a16="http://schemas.microsoft.com/office/drawing/2014/main" id="{8AC3BB42-00C8-D3D9-B404-AC021E1FF1F7}"/>
-              </a:ext>
-            </a:extLst>
-          </p:cNvPr>
-          <p:cNvSpPr txBox="1"/>
-          <p:nvPr/>
-        </p:nvSpPr>
-        <p:spPr>
-          <a:xfrm>
-            <a:off x="2946848" y="446636"/>
-            <a:ext cx="886781" cy="338554"/>
-          </a:xfrm>
-          <a:prstGeom prst="rect">
-            <a:avLst/>
-          </a:prstGeom>
-          <a:noFill/>
-        </p:spPr>
-        <p:txBody>
-          <a:bodyPr wrap="none" rtlCol="0">
-            <a:spAutoFit/>
-          </a:bodyPr>
-          <a:lstStyle/>
-          <a:p>
-            <a:r>
-              <a:rPr lang="en-US" sz="1600" dirty="0"/>
-              <a:t>Case118</a:t>
-            </a:r>
-          </a:p>
-        </p:txBody>
-      </p:sp>
+        </p:grpSpPr>
+        <p:pic>
+          <p:nvPicPr>
+            <p:cNvPr id="5" name="Picture 4">
+              <a:extLst>
+                <a:ext uri="{FF2B5EF4-FFF2-40B4-BE49-F238E27FC236}">
+                  <a16:creationId xmlns:a16="http://schemas.microsoft.com/office/drawing/2014/main" id="{D143FF32-B315-42EA-7C2F-1EF7133DCE62}"/>
+                </a:ext>
+              </a:extLst>
+            </p:cNvPr>
+            <p:cNvPicPr>
+              <a:picLocks noChangeAspect="1"/>
+            </p:cNvPicPr>
+            <p:nvPr/>
+          </p:nvPicPr>
+          <p:blipFill rotWithShape="1">
+            <a:blip r:embed="rId2"/>
+            <a:srcRect l="17971" t="12174" r="15362" b="11305"/>
+            <a:stretch/>
+          </p:blipFill>
+          <p:spPr>
+            <a:xfrm>
+              <a:off x="1232452" y="834886"/>
+              <a:ext cx="4572000" cy="5247861"/>
+            </a:xfrm>
+            <a:prstGeom prst="rect">
+              <a:avLst/>
+            </a:prstGeom>
+          </p:spPr>
+        </p:pic>
+        <p:sp>
+          <p:nvSpPr>
+            <p:cNvPr id="6" name="TextBox 5">
+              <a:extLst>
+                <a:ext uri="{FF2B5EF4-FFF2-40B4-BE49-F238E27FC236}">
+                  <a16:creationId xmlns:a16="http://schemas.microsoft.com/office/drawing/2014/main" id="{95147DE3-F1CE-F978-9C20-5C71EADDBD01}"/>
+                </a:ext>
+              </a:extLst>
+            </p:cNvPr>
+            <p:cNvSpPr txBox="1"/>
+            <p:nvPr/>
+          </p:nvSpPr>
+          <p:spPr>
+            <a:xfrm>
+              <a:off x="2782957" y="1331843"/>
+              <a:ext cx="607282" cy="276999"/>
+            </a:xfrm>
+            <a:prstGeom prst="rect">
+              <a:avLst/>
+            </a:prstGeom>
+            <a:noFill/>
+          </p:spPr>
+          <p:txBody>
+            <a:bodyPr wrap="none" rtlCol="0">
+              <a:spAutoFit/>
+            </a:bodyPr>
+            <a:lstStyle/>
+            <a:p>
+              <a:r>
+                <a:rPr lang="en-US" sz="1200" dirty="0"/>
+                <a:t>Zone 1</a:t>
+              </a:r>
+            </a:p>
+          </p:txBody>
+        </p:sp>
+        <p:sp>
+          <p:nvSpPr>
+            <p:cNvPr id="7" name="TextBox 6">
+              <a:extLst>
+                <a:ext uri="{FF2B5EF4-FFF2-40B4-BE49-F238E27FC236}">
+                  <a16:creationId xmlns:a16="http://schemas.microsoft.com/office/drawing/2014/main" id="{7BCA5BD0-E8AB-1B11-2811-996B9D476825}"/>
+                </a:ext>
+              </a:extLst>
+            </p:cNvPr>
+            <p:cNvSpPr txBox="1"/>
+            <p:nvPr/>
+          </p:nvSpPr>
+          <p:spPr>
+            <a:xfrm>
+              <a:off x="2582785" y="2940685"/>
+              <a:ext cx="607282" cy="276999"/>
+            </a:xfrm>
+            <a:prstGeom prst="rect">
+              <a:avLst/>
+            </a:prstGeom>
+            <a:noFill/>
+          </p:spPr>
+          <p:txBody>
+            <a:bodyPr wrap="none" rtlCol="0">
+              <a:spAutoFit/>
+            </a:bodyPr>
+            <a:lstStyle/>
+            <a:p>
+              <a:r>
+                <a:rPr lang="en-US" sz="1200" dirty="0"/>
+                <a:t>Zone 2</a:t>
+              </a:r>
+            </a:p>
+          </p:txBody>
+        </p:sp>
+        <p:sp>
+          <p:nvSpPr>
+            <p:cNvPr id="8" name="TextBox 7">
+              <a:extLst>
+                <a:ext uri="{FF2B5EF4-FFF2-40B4-BE49-F238E27FC236}">
+                  <a16:creationId xmlns:a16="http://schemas.microsoft.com/office/drawing/2014/main" id="{7E432628-8D12-9490-61E3-124ED56E54ED}"/>
+                </a:ext>
+              </a:extLst>
+            </p:cNvPr>
+            <p:cNvSpPr txBox="1"/>
+            <p:nvPr/>
+          </p:nvSpPr>
+          <p:spPr>
+            <a:xfrm>
+              <a:off x="1653210" y="3621156"/>
+              <a:ext cx="607282" cy="276999"/>
+            </a:xfrm>
+            <a:prstGeom prst="rect">
+              <a:avLst/>
+            </a:prstGeom>
+            <a:noFill/>
+          </p:spPr>
+          <p:txBody>
+            <a:bodyPr wrap="none" rtlCol="0">
+              <a:spAutoFit/>
+            </a:bodyPr>
+            <a:lstStyle/>
+            <a:p>
+              <a:r>
+                <a:rPr lang="en-US" sz="1200" dirty="0"/>
+                <a:t>Zone 3</a:t>
+              </a:r>
+            </a:p>
+          </p:txBody>
+        </p:sp>
+      </p:grpSp>
     </p:spTree>
     <p:extLst>
       <p:ext uri="{BB962C8B-B14F-4D97-AF65-F5344CB8AC3E}">
@@ -3541,10 +3527,10 @@
         </p:nvGrpSpPr>
         <p:grpSpPr>
           <a:xfrm>
-            <a:off x="961081" y="-159549"/>
-            <a:ext cx="6577479" cy="6905428"/>
-            <a:chOff x="961081" y="-159549"/>
-            <a:chExt cx="6577479" cy="6905428"/>
+            <a:off x="603729" y="248478"/>
+            <a:ext cx="6577479" cy="6361043"/>
+            <a:chOff x="961081" y="384836"/>
+            <a:chExt cx="6577479" cy="6361043"/>
           </a:xfrm>
         </p:grpSpPr>
         <p:pic>
@@ -3576,41 +3562,6 @@
             </a:prstGeom>
           </p:spPr>
         </p:pic>
-        <p:sp>
-          <p:nvSpPr>
-            <p:cNvPr id="26" name="TextBox 25">
-              <a:extLst>
-                <a:ext uri="{FF2B5EF4-FFF2-40B4-BE49-F238E27FC236}">
-                  <a16:creationId xmlns:a16="http://schemas.microsoft.com/office/drawing/2014/main" id="{6A3C0A15-038C-15EC-86CC-101D786EFE4E}"/>
-                </a:ext>
-              </a:extLst>
-            </p:cNvPr>
-            <p:cNvSpPr txBox="1"/>
-            <p:nvPr/>
-          </p:nvSpPr>
-          <p:spPr>
-            <a:xfrm>
-              <a:off x="2691323" y="-159549"/>
-              <a:ext cx="2902718" cy="369332"/>
-            </a:xfrm>
-            <a:prstGeom prst="rect">
-              <a:avLst/>
-            </a:prstGeom>
-            <a:noFill/>
-          </p:spPr>
-          <p:txBody>
-            <a:bodyPr wrap="none" rtlCol="0">
-              <a:spAutoFit/>
-            </a:bodyPr>
-            <a:lstStyle/>
-            <a:p>
-              <a:r>
-                <a:rPr lang="en-US" dirty="0"/>
-                <a:t>Case 1354pegase Power Grid</a:t>
-              </a:r>
-            </a:p>
-          </p:txBody>
-        </p:sp>
         <p:sp>
           <p:nvSpPr>
             <p:cNvPr id="28" name="TextBox 27">
@@ -3936,10 +3887,10 @@
         </p:nvGrpSpPr>
         <p:grpSpPr>
           <a:xfrm>
-            <a:off x="208722" y="451008"/>
-            <a:ext cx="6682754" cy="7291575"/>
-            <a:chOff x="0" y="-433575"/>
-            <a:chExt cx="6682754" cy="7291575"/>
+            <a:off x="471479" y="108257"/>
+            <a:ext cx="6682754" cy="6856027"/>
+            <a:chOff x="0" y="1973"/>
+            <a:chExt cx="6682754" cy="6856027"/>
           </a:xfrm>
         </p:grpSpPr>
         <p:pic>
@@ -3971,41 +3922,6 @@
             </a:prstGeom>
           </p:spPr>
         </p:pic>
-        <p:sp>
-          <p:nvSpPr>
-            <p:cNvPr id="6" name="TextBox 5">
-              <a:extLst>
-                <a:ext uri="{FF2B5EF4-FFF2-40B4-BE49-F238E27FC236}">
-                  <a16:creationId xmlns:a16="http://schemas.microsoft.com/office/drawing/2014/main" id="{0355CBDE-4A4D-E92B-B144-DC3A7D4DA1DF}"/>
-                </a:ext>
-              </a:extLst>
-            </p:cNvPr>
-            <p:cNvSpPr txBox="1"/>
-            <p:nvPr/>
-          </p:nvSpPr>
-          <p:spPr>
-            <a:xfrm>
-              <a:off x="1912428" y="-433575"/>
-              <a:ext cx="2514984" cy="369332"/>
-            </a:xfrm>
-            <a:prstGeom prst="rect">
-              <a:avLst/>
-            </a:prstGeom>
-            <a:noFill/>
-          </p:spPr>
-          <p:txBody>
-            <a:bodyPr wrap="none" rtlCol="0">
-              <a:spAutoFit/>
-            </a:bodyPr>
-            <a:lstStyle/>
-            <a:p>
-              <a:r>
-                <a:rPr lang="en-US" dirty="0"/>
-                <a:t>Case 2848rte Power Grid</a:t>
-              </a:r>
-            </a:p>
-          </p:txBody>
-        </p:sp>
         <p:sp>
           <p:nvSpPr>
             <p:cNvPr id="7" name="TextBox 6">

--- a/python_temp/power_grids.pptx
+++ b/python_temp/power_grids.pptx
@@ -261,7 +261,7 @@
           <a:p>
             <a:fld id="{8B199051-66CD-E84F-8C03-C85E0C6BD903}" type="datetimeFigureOut">
               <a:rPr lang="en-US" smtClean="0"/>
-              <a:t>11/26/23</a:t>
+              <a:t>3/17/24</a:t>
             </a:fld>
             <a:endParaRPr lang="en-US"/>
           </a:p>
@@ -459,7 +459,7 @@
           <a:p>
             <a:fld id="{8B199051-66CD-E84F-8C03-C85E0C6BD903}" type="datetimeFigureOut">
               <a:rPr lang="en-US" smtClean="0"/>
-              <a:t>11/26/23</a:t>
+              <a:t>3/17/24</a:t>
             </a:fld>
             <a:endParaRPr lang="en-US"/>
           </a:p>
@@ -667,7 +667,7 @@
           <a:p>
             <a:fld id="{8B199051-66CD-E84F-8C03-C85E0C6BD903}" type="datetimeFigureOut">
               <a:rPr lang="en-US" smtClean="0"/>
-              <a:t>11/26/23</a:t>
+              <a:t>3/17/24</a:t>
             </a:fld>
             <a:endParaRPr lang="en-US"/>
           </a:p>
@@ -865,7 +865,7 @@
           <a:p>
             <a:fld id="{8B199051-66CD-E84F-8C03-C85E0C6BD903}" type="datetimeFigureOut">
               <a:rPr lang="en-US" smtClean="0"/>
-              <a:t>11/26/23</a:t>
+              <a:t>3/17/24</a:t>
             </a:fld>
             <a:endParaRPr lang="en-US"/>
           </a:p>
@@ -1140,7 +1140,7 @@
           <a:p>
             <a:fld id="{8B199051-66CD-E84F-8C03-C85E0C6BD903}" type="datetimeFigureOut">
               <a:rPr lang="en-US" smtClean="0"/>
-              <a:t>11/26/23</a:t>
+              <a:t>3/17/24</a:t>
             </a:fld>
             <a:endParaRPr lang="en-US"/>
           </a:p>
@@ -1405,7 +1405,7 @@
           <a:p>
             <a:fld id="{8B199051-66CD-E84F-8C03-C85E0C6BD903}" type="datetimeFigureOut">
               <a:rPr lang="en-US" smtClean="0"/>
-              <a:t>11/26/23</a:t>
+              <a:t>3/17/24</a:t>
             </a:fld>
             <a:endParaRPr lang="en-US"/>
           </a:p>
@@ -1817,7 +1817,7 @@
           <a:p>
             <a:fld id="{8B199051-66CD-E84F-8C03-C85E0C6BD903}" type="datetimeFigureOut">
               <a:rPr lang="en-US" smtClean="0"/>
-              <a:t>11/26/23</a:t>
+              <a:t>3/17/24</a:t>
             </a:fld>
             <a:endParaRPr lang="en-US"/>
           </a:p>
@@ -1958,7 +1958,7 @@
           <a:p>
             <a:fld id="{8B199051-66CD-E84F-8C03-C85E0C6BD903}" type="datetimeFigureOut">
               <a:rPr lang="en-US" smtClean="0"/>
-              <a:t>11/26/23</a:t>
+              <a:t>3/17/24</a:t>
             </a:fld>
             <a:endParaRPr lang="en-US"/>
           </a:p>
@@ -2071,7 +2071,7 @@
           <a:p>
             <a:fld id="{8B199051-66CD-E84F-8C03-C85E0C6BD903}" type="datetimeFigureOut">
               <a:rPr lang="en-US" smtClean="0"/>
-              <a:t>11/26/23</a:t>
+              <a:t>3/17/24</a:t>
             </a:fld>
             <a:endParaRPr lang="en-US"/>
           </a:p>
@@ -2382,7 +2382,7 @@
           <a:p>
             <a:fld id="{8B199051-66CD-E84F-8C03-C85E0C6BD903}" type="datetimeFigureOut">
               <a:rPr lang="en-US" smtClean="0"/>
-              <a:t>11/26/23</a:t>
+              <a:t>3/17/24</a:t>
             </a:fld>
             <a:endParaRPr lang="en-US"/>
           </a:p>
@@ -2670,7 +2670,7 @@
           <a:p>
             <a:fld id="{8B199051-66CD-E84F-8C03-C85E0C6BD903}" type="datetimeFigureOut">
               <a:rPr lang="en-US" smtClean="0"/>
-              <a:t>11/26/23</a:t>
+              <a:t>3/17/24</a:t>
             </a:fld>
             <a:endParaRPr lang="en-US"/>
           </a:p>
@@ -2911,7 +2911,7 @@
           <a:p>
             <a:fld id="{8B199051-66CD-E84F-8C03-C85E0C6BD903}" type="datetimeFigureOut">
               <a:rPr lang="en-US" smtClean="0"/>
-              <a:t>11/26/23</a:t>
+              <a:t>3/17/24</a:t>
             </a:fld>
             <a:endParaRPr lang="en-US"/>
           </a:p>
@@ -3478,6 +3478,196 @@
               <a:r>
                 <a:rPr lang="en-US" sz="1200" dirty="0"/>
                 <a:t>Zone 3</a:t>
+              </a:r>
+            </a:p>
+          </p:txBody>
+        </p:sp>
+      </p:grpSp>
+      <p:grpSp>
+        <p:nvGrpSpPr>
+          <p:cNvPr id="12" name="Group 11">
+            <a:extLst>
+              <a:ext uri="{FF2B5EF4-FFF2-40B4-BE49-F238E27FC236}">
+                <a16:creationId xmlns:a16="http://schemas.microsoft.com/office/drawing/2014/main" id="{48B762AA-372E-B763-88E0-4A6C123C8DFF}"/>
+              </a:ext>
+            </a:extLst>
+          </p:cNvPr>
+          <p:cNvGrpSpPr/>
+          <p:nvPr/>
+        </p:nvGrpSpPr>
+        <p:grpSpPr>
+          <a:xfrm>
+            <a:off x="6351470" y="309369"/>
+            <a:ext cx="4119519" cy="5247861"/>
+            <a:chOff x="6351470" y="309369"/>
+            <a:chExt cx="4119519" cy="5247861"/>
+          </a:xfrm>
+        </p:grpSpPr>
+        <p:pic>
+          <p:nvPicPr>
+            <p:cNvPr id="3" name="Picture 2">
+              <a:extLst>
+                <a:ext uri="{FF2B5EF4-FFF2-40B4-BE49-F238E27FC236}">
+                  <a16:creationId xmlns:a16="http://schemas.microsoft.com/office/drawing/2014/main" id="{2567C38C-F341-0A89-22AE-0E484A7C3EA5}"/>
+                </a:ext>
+              </a:extLst>
+            </p:cNvPr>
+            <p:cNvPicPr>
+              <a:picLocks noChangeAspect="1"/>
+            </p:cNvPicPr>
+            <p:nvPr/>
+          </p:nvPicPr>
+          <p:blipFill rotWithShape="1">
+            <a:blip r:embed="rId3"/>
+            <a:srcRect l="21648" t="12261" r="19043" b="12184"/>
+            <a:stretch/>
+          </p:blipFill>
+          <p:spPr>
+            <a:xfrm>
+              <a:off x="6351470" y="309369"/>
+              <a:ext cx="4119519" cy="5247861"/>
+            </a:xfrm>
+            <a:prstGeom prst="rect">
+              <a:avLst/>
+            </a:prstGeom>
+          </p:spPr>
+        </p:pic>
+        <p:sp>
+          <p:nvSpPr>
+            <p:cNvPr id="4" name="TextBox 3">
+              <a:extLst>
+                <a:ext uri="{FF2B5EF4-FFF2-40B4-BE49-F238E27FC236}">
+                  <a16:creationId xmlns:a16="http://schemas.microsoft.com/office/drawing/2014/main" id="{8F4887EB-38CE-1C8A-8535-E93E7BF5A38F}"/>
+                </a:ext>
+              </a:extLst>
+            </p:cNvPr>
+            <p:cNvSpPr txBox="1"/>
+            <p:nvPr/>
+          </p:nvSpPr>
+          <p:spPr>
+            <a:xfrm>
+              <a:off x="9100589" y="1282148"/>
+              <a:ext cx="607282" cy="276999"/>
+            </a:xfrm>
+            <a:prstGeom prst="rect">
+              <a:avLst/>
+            </a:prstGeom>
+            <a:noFill/>
+          </p:spPr>
+          <p:txBody>
+            <a:bodyPr wrap="none" rtlCol="0">
+              <a:spAutoFit/>
+            </a:bodyPr>
+            <a:lstStyle/>
+            <a:p>
+              <a:r>
+                <a:rPr lang="en-US" sz="1200" dirty="0"/>
+                <a:t>Zone 1</a:t>
+              </a:r>
+            </a:p>
+          </p:txBody>
+        </p:sp>
+        <p:sp>
+          <p:nvSpPr>
+            <p:cNvPr id="9" name="TextBox 8">
+              <a:extLst>
+                <a:ext uri="{FF2B5EF4-FFF2-40B4-BE49-F238E27FC236}">
+                  <a16:creationId xmlns:a16="http://schemas.microsoft.com/office/drawing/2014/main" id="{4676DDF6-87E1-B144-414F-7A6EB8C25B15}"/>
+                </a:ext>
+              </a:extLst>
+            </p:cNvPr>
+            <p:cNvSpPr txBox="1"/>
+            <p:nvPr/>
+          </p:nvSpPr>
+          <p:spPr>
+            <a:xfrm>
+              <a:off x="7185650" y="667826"/>
+              <a:ext cx="607282" cy="276999"/>
+            </a:xfrm>
+            <a:prstGeom prst="rect">
+              <a:avLst/>
+            </a:prstGeom>
+            <a:noFill/>
+          </p:spPr>
+          <p:txBody>
+            <a:bodyPr wrap="none" rtlCol="0">
+              <a:spAutoFit/>
+            </a:bodyPr>
+            <a:lstStyle/>
+            <a:p>
+              <a:r>
+                <a:rPr lang="en-US" sz="1200" dirty="0"/>
+                <a:t>Zone 2</a:t>
+              </a:r>
+            </a:p>
+          </p:txBody>
+        </p:sp>
+        <p:sp>
+          <p:nvSpPr>
+            <p:cNvPr id="10" name="TextBox 9">
+              <a:extLst>
+                <a:ext uri="{FF2B5EF4-FFF2-40B4-BE49-F238E27FC236}">
+                  <a16:creationId xmlns:a16="http://schemas.microsoft.com/office/drawing/2014/main" id="{BE1155B0-5598-9D51-7522-E813CC78B8C6}"/>
+                </a:ext>
+              </a:extLst>
+            </p:cNvPr>
+            <p:cNvSpPr txBox="1"/>
+            <p:nvPr/>
+          </p:nvSpPr>
+          <p:spPr>
+            <a:xfrm>
+              <a:off x="6483285" y="3921235"/>
+              <a:ext cx="607282" cy="276999"/>
+            </a:xfrm>
+            <a:prstGeom prst="rect">
+              <a:avLst/>
+            </a:prstGeom>
+            <a:noFill/>
+          </p:spPr>
+          <p:txBody>
+            <a:bodyPr wrap="none" rtlCol="0">
+              <a:spAutoFit/>
+            </a:bodyPr>
+            <a:lstStyle/>
+            <a:p>
+              <a:r>
+                <a:rPr lang="en-US" sz="1200" dirty="0"/>
+                <a:t>Zone 3</a:t>
+              </a:r>
+            </a:p>
+          </p:txBody>
+        </p:sp>
+        <p:sp>
+          <p:nvSpPr>
+            <p:cNvPr id="11" name="TextBox 10">
+              <a:extLst>
+                <a:ext uri="{FF2B5EF4-FFF2-40B4-BE49-F238E27FC236}">
+                  <a16:creationId xmlns:a16="http://schemas.microsoft.com/office/drawing/2014/main" id="{65195D5E-6CA8-EEC0-F276-0C51543ED5E5}"/>
+                </a:ext>
+              </a:extLst>
+            </p:cNvPr>
+            <p:cNvSpPr txBox="1"/>
+            <p:nvPr/>
+          </p:nvSpPr>
+          <p:spPr>
+            <a:xfrm>
+              <a:off x="9100589" y="4198234"/>
+              <a:ext cx="607282" cy="276999"/>
+            </a:xfrm>
+            <a:prstGeom prst="rect">
+              <a:avLst/>
+            </a:prstGeom>
+            <a:noFill/>
+          </p:spPr>
+          <p:txBody>
+            <a:bodyPr wrap="none" rtlCol="0">
+              <a:spAutoFit/>
+            </a:bodyPr>
+            <a:lstStyle/>
+            <a:p>
+              <a:r>
+                <a:rPr lang="en-US" sz="1200" dirty="0"/>
+                <a:t>Zone 4</a:t>
               </a:r>
             </a:p>
           </p:txBody>
